--- a/tr-semanticsearchsurvey-data/figs/matching.pptx
+++ b/tr-semanticsearchsurvey-data/figs/matching.pptx
@@ -193,7 +193,7 @@
             <a:fld id="{7C7A400B-AD95-4214-8D8B-9C3949799FE3}" type="datetimeFigureOut">
               <a:rPr lang="en-US" smtClean="0"/>
               <a:pPr/>
-              <a:t>1/27/2012</a:t>
+              <a:t>4/7/2012</a:t>
             </a:fld>
             <a:endParaRPr lang="en-US"/>
           </a:p>
@@ -362,6 +362,11 @@
         </p:txBody>
       </p:sp>
     </p:spTree>
+    <p:extLst>
+      <p:ext uri="{BB962C8B-B14F-4D97-AF65-F5344CB8AC3E}">
+        <p14:creationId xmlns:p14="http://schemas.microsoft.com/office/powerpoint/2010/main" val="1540426982"/>
+      </p:ext>
+    </p:extLst>
   </p:cSld>
   <p:clrMap bg1="lt1" tx1="dk1" bg2="lt2" tx2="dk2" accent1="accent1" accent2="accent2" accent3="accent3" accent4="accent4" accent5="accent5" accent6="accent6" hlink="hlink" folHlink="folHlink"/>
   <p:notesStyle>
@@ -723,7 +728,7 @@
             <a:fld id="{22EAC8B6-4B8C-4A4C-B157-BE5F675099B1}" type="datetimeFigureOut">
               <a:rPr lang="en-US" smtClean="0"/>
               <a:pPr/>
-              <a:t>1/27/2012</a:t>
+              <a:t>4/7/2012</a:t>
             </a:fld>
             <a:endParaRPr lang="en-US"/>
           </a:p>
@@ -890,7 +895,7 @@
             <a:fld id="{22EAC8B6-4B8C-4A4C-B157-BE5F675099B1}" type="datetimeFigureOut">
               <a:rPr lang="en-US" smtClean="0"/>
               <a:pPr/>
-              <a:t>1/27/2012</a:t>
+              <a:t>4/7/2012</a:t>
             </a:fld>
             <a:endParaRPr lang="en-US"/>
           </a:p>
@@ -1067,7 +1072,7 @@
             <a:fld id="{22EAC8B6-4B8C-4A4C-B157-BE5F675099B1}" type="datetimeFigureOut">
               <a:rPr lang="en-US" smtClean="0"/>
               <a:pPr/>
-              <a:t>1/27/2012</a:t>
+              <a:t>4/7/2012</a:t>
             </a:fld>
             <a:endParaRPr lang="en-US"/>
           </a:p>
@@ -1234,7 +1239,7 @@
             <a:fld id="{22EAC8B6-4B8C-4A4C-B157-BE5F675099B1}" type="datetimeFigureOut">
               <a:rPr lang="en-US" smtClean="0"/>
               <a:pPr/>
-              <a:t>1/27/2012</a:t>
+              <a:t>4/7/2012</a:t>
             </a:fld>
             <a:endParaRPr lang="en-US"/>
           </a:p>
@@ -1477,7 +1482,7 @@
             <a:fld id="{22EAC8B6-4B8C-4A4C-B157-BE5F675099B1}" type="datetimeFigureOut">
               <a:rPr lang="en-US" smtClean="0"/>
               <a:pPr/>
-              <a:t>1/27/2012</a:t>
+              <a:t>4/7/2012</a:t>
             </a:fld>
             <a:endParaRPr lang="en-US"/>
           </a:p>
@@ -1762,7 +1767,7 @@
             <a:fld id="{22EAC8B6-4B8C-4A4C-B157-BE5F675099B1}" type="datetimeFigureOut">
               <a:rPr lang="en-US" smtClean="0"/>
               <a:pPr/>
-              <a:t>1/27/2012</a:t>
+              <a:t>4/7/2012</a:t>
             </a:fld>
             <a:endParaRPr lang="en-US"/>
           </a:p>
@@ -2181,7 +2186,7 @@
             <a:fld id="{22EAC8B6-4B8C-4A4C-B157-BE5F675099B1}" type="datetimeFigureOut">
               <a:rPr lang="en-US" smtClean="0"/>
               <a:pPr/>
-              <a:t>1/27/2012</a:t>
+              <a:t>4/7/2012</a:t>
             </a:fld>
             <a:endParaRPr lang="en-US"/>
           </a:p>
@@ -2296,7 +2301,7 @@
             <a:fld id="{22EAC8B6-4B8C-4A4C-B157-BE5F675099B1}" type="datetimeFigureOut">
               <a:rPr lang="en-US" smtClean="0"/>
               <a:pPr/>
-              <a:t>1/27/2012</a:t>
+              <a:t>4/7/2012</a:t>
             </a:fld>
             <a:endParaRPr lang="en-US"/>
           </a:p>
@@ -2388,7 +2393,7 @@
             <a:fld id="{22EAC8B6-4B8C-4A4C-B157-BE5F675099B1}" type="datetimeFigureOut">
               <a:rPr lang="en-US" smtClean="0"/>
               <a:pPr/>
-              <a:t>1/27/2012</a:t>
+              <a:t>4/7/2012</a:t>
             </a:fld>
             <a:endParaRPr lang="en-US"/>
           </a:p>
@@ -2662,7 +2667,7 @@
             <a:fld id="{22EAC8B6-4B8C-4A4C-B157-BE5F675099B1}" type="datetimeFigureOut">
               <a:rPr lang="en-US" smtClean="0"/>
               <a:pPr/>
-              <a:t>1/27/2012</a:t>
+              <a:t>4/7/2012</a:t>
             </a:fld>
             <a:endParaRPr lang="en-US"/>
           </a:p>
@@ -2912,7 +2917,7 @@
             <a:fld id="{22EAC8B6-4B8C-4A4C-B157-BE5F675099B1}" type="datetimeFigureOut">
               <a:rPr lang="en-US" smtClean="0"/>
               <a:pPr/>
-              <a:t>1/27/2012</a:t>
+              <a:t>4/7/2012</a:t>
             </a:fld>
             <a:endParaRPr lang="en-US"/>
           </a:p>
@@ -3122,7 +3127,7 @@
             <a:fld id="{22EAC8B6-4B8C-4A4C-B157-BE5F675099B1}" type="datetimeFigureOut">
               <a:rPr lang="en-US" smtClean="0"/>
               <a:pPr/>
-              <a:t>1/27/2012</a:t>
+              <a:t>4/7/2012</a:t>
             </a:fld>
             <a:endParaRPr lang="en-US"/>
           </a:p>
@@ -5572,7 +5577,14 @@
             <a:pPr algn="ctr"/>
             <a:r>
               <a:rPr lang="en-US" dirty="0" smtClean="0"/>
-              <a:t>Structured/ Semantic Query </a:t>
+              <a:t>Structured </a:t>
+            </a:r>
+          </a:p>
+          <a:p>
+            <a:pPr algn="ctr"/>
+            <a:r>
+              <a:rPr lang="en-US" dirty="0" smtClean="0"/>
+              <a:t>Query </a:t>
             </a:r>
             <a:endParaRPr lang="en-US" dirty="0"/>
           </a:p>
